--- a/29 JMeter扩展开发.pptx
+++ b/29 JMeter扩展开发.pptx
@@ -6096,6 +6096,13 @@
   <p:clrMapOvr>
     <a:masterClrMapping/>
   </p:clrMapOvr>
+  <p:timing>
+    <p:tnLst>
+      <p:par>
+        <p:cTn id="1" dur="indefinite" restart="never" nodeType="tmRoot"/>
+      </p:par>
+    </p:tnLst>
+  </p:timing>
 </p:sld>
 </file>
 
@@ -6135,6 +6142,32 @@
         <p:txBody>
           <a:bodyPr/>
           <a:lstStyle/>
+          <a:p>
+            <a:pPr marL="0" indent="0">
+              <a:buNone/>
+            </a:pPr>
+            <a:r>
+              <a:rPr lang="zh-CN" altLang="en-US" dirty="0" smtClean="0"/>
+              <a:t>实现</a:t>
+            </a:r>
+            <a:r>
+              <a:rPr lang="en-US" altLang="zh-CN" u="sng" dirty="0" err="1" smtClean="0"/>
+              <a:t>JavaSamplerClient</a:t>
+            </a:r>
+            <a:r>
+              <a:rPr lang="zh-CN" altLang="en-US" u="sng" dirty="0" smtClean="0"/>
+              <a:t>接口的</a:t>
+            </a:r>
+            <a:r>
+              <a:rPr lang="en-US" altLang="zh-CN" dirty="0" err="1" smtClean="0"/>
+              <a:t>runTest</a:t>
+            </a:r>
+            <a:r>
+              <a:rPr lang="zh-CN" altLang="en-US" smtClean="0"/>
+              <a:t>方法</a:t>
+            </a:r>
+            <a:endParaRPr lang="en-US" altLang="zh-CN" smtClean="0"/>
+          </a:p>
           <a:p>
             <a:pPr marL="0" indent="0">
               <a:buNone/>
@@ -6493,6 +6526,13 @@
   <p:clrMapOvr>
     <a:masterClrMapping/>
   </p:clrMapOvr>
+  <p:timing>
+    <p:tnLst>
+      <p:par>
+        <p:cTn id="1" dur="indefinite" restart="never" nodeType="tmRoot"/>
+      </p:par>
+    </p:tnLst>
+  </p:timing>
 </p:sld>
 </file>
 
@@ -6585,7 +6625,6 @@
               <a:rPr lang="en-US" altLang="zh-CN" dirty="0"/>
               <a:t>()</a:t>
             </a:r>
-            <a:endParaRPr lang="en-US" altLang="zh-CN" dirty="0"/>
           </a:p>
           <a:p>
             <a:pPr lvl="1"/>
@@ -6624,7 +6663,6 @@
               <a:rPr lang="en-US" altLang="zh-CN" dirty="0"/>
               <a:t>&gt; parameters)</a:t>
             </a:r>
-            <a:endParaRPr lang="en-US" altLang="zh-CN" dirty="0"/>
           </a:p>
           <a:p>
             <a:pPr lvl="1"/>
@@ -6694,6 +6732,13 @@
   <p:clrMapOvr>
     <a:masterClrMapping/>
   </p:clrMapOvr>
+  <p:timing>
+    <p:tnLst>
+      <p:par>
+        <p:cTn id="1" dur="indefinite" restart="never" nodeType="tmRoot"/>
+      </p:par>
+    </p:tnLst>
+  </p:timing>
 </p:sld>
 </file>
 
@@ -8415,8 +8460,20 @@
           <a:lstStyle/>
           <a:p>
             <a:r>
-              <a:rPr lang="zh-CN" altLang="en-US" smtClean="0"/>
-              <a:t>自定义函数的实现</a:t>
+              <a:rPr lang="zh-CN" altLang="en-US" dirty="0" smtClean="0"/>
+              <a:t>自定义</a:t>
+            </a:r>
+            <a:r>
+              <a:rPr lang="zh-CN" altLang="en-US" dirty="0"/>
+              <a:t>参数</a:t>
+            </a:r>
+            <a:r>
+              <a:rPr lang="zh-CN" altLang="en-US" dirty="0" smtClean="0"/>
+              <a:t>的</a:t>
+            </a:r>
+            <a:r>
+              <a:rPr lang="zh-CN" altLang="en-US" dirty="0" smtClean="0"/>
+              <a:t>实现</a:t>
             </a:r>
             <a:endParaRPr lang="zh-CN" altLang="en-US" dirty="0"/>
           </a:p>
@@ -8432,6 +8489,13 @@
   <p:clrMapOvr>
     <a:masterClrMapping/>
   </p:clrMapOvr>
+  <p:timing>
+    <p:tnLst>
+      <p:par>
+        <p:cTn id="1" dur="indefinite" restart="never" nodeType="tmRoot"/>
+      </p:par>
+    </p:tnLst>
+  </p:timing>
 </p:sld>
 </file>
 
@@ -8616,11 +8680,7 @@
           <a:p>
             <a:r>
               <a:rPr lang="zh-CN" altLang="en-US" dirty="0" smtClean="0"/>
-              <a:t>初始化方法的</a:t>
-            </a:r>
-            <a:r>
-              <a:rPr lang="zh-CN" altLang="en-US" dirty="0" smtClean="0"/>
-              <a:t>实现</a:t>
+              <a:t>初始化方法的实现</a:t>
             </a:r>
             <a:endParaRPr lang="zh-CN" altLang="en-US" dirty="0"/>
           </a:p>
@@ -8636,6 +8696,13 @@
   <p:clrMapOvr>
     <a:masterClrMapping/>
   </p:clrMapOvr>
+  <p:timing>
+    <p:tnLst>
+      <p:par>
+        <p:cTn id="1" dur="indefinite" restart="never" nodeType="tmRoot"/>
+      </p:par>
+    </p:tnLst>
+  </p:timing>
 </p:sld>
 </file>
 

--- a/29 JMeter扩展开发.pptx
+++ b/29 JMeter扩展开发.pptx
@@ -6163,10 +6163,10 @@
               <a:t>runTest</a:t>
             </a:r>
             <a:r>
-              <a:rPr lang="zh-CN" altLang="en-US" smtClean="0"/>
+              <a:rPr lang="zh-CN" altLang="en-US" dirty="0" smtClean="0"/>
               <a:t>方法</a:t>
             </a:r>
-            <a:endParaRPr lang="en-US" altLang="zh-CN" smtClean="0"/>
+            <a:endParaRPr lang="en-US" altLang="zh-CN" dirty="0" smtClean="0"/>
           </a:p>
           <a:p>
             <a:pPr marL="0" indent="0">
@@ -6565,8 +6565,8 @@
         </p:nvSpPr>
         <p:spPr>
           <a:xfrm>
-            <a:off x="395536" y="1124744"/>
-            <a:ext cx="8229600" cy="4525963"/>
+            <a:off x="395536" y="908720"/>
+            <a:ext cx="8229600" cy="5760640"/>
           </a:xfrm>
         </p:spPr>
         <p:txBody>
@@ -6575,28 +6575,91 @@
           </a:bodyPr>
           <a:lstStyle/>
           <a:p>
+            <a:pPr marL="0" indent="0">
+              <a:buNone/>
+            </a:pPr>
+            <a:r>
+              <a:rPr lang="zh-CN" altLang="en-US" sz="2800" dirty="0"/>
+              <a:t>要实现扩展</a:t>
+            </a:r>
+            <a:r>
+              <a:rPr lang="en-US" altLang="zh-CN" sz="2800" dirty="0" err="1"/>
+              <a:t>JMeter</a:t>
+            </a:r>
             <a:r>
               <a:rPr lang="en-US" altLang="zh-CN" sz="2800" dirty="0"/>
+              <a:t> function</a:t>
+            </a:r>
+            <a:r>
+              <a:rPr lang="zh-CN" altLang="en-US" sz="2800" dirty="0"/>
+              <a:t>，主要有两点：</a:t>
+            </a:r>
+          </a:p>
+          <a:p>
+            <a:pPr lvl="1"/>
+            <a:r>
+              <a:rPr lang="zh-CN" altLang="en-US" sz="2400" dirty="0"/>
+              <a:t>实现</a:t>
+            </a:r>
+            <a:r>
+              <a:rPr lang="en-US" altLang="zh-CN" sz="2400" dirty="0"/>
+              <a:t>function</a:t>
+            </a:r>
+            <a:r>
+              <a:rPr lang="zh-CN" altLang="en-US" sz="2400" dirty="0"/>
+              <a:t>的类的</a:t>
+            </a:r>
+            <a:r>
+              <a:rPr lang="en-US" altLang="zh-CN" sz="2400" dirty="0"/>
+              <a:t>package</a:t>
+            </a:r>
+            <a:r>
+              <a:rPr lang="zh-CN" altLang="en-US" sz="2400" dirty="0"/>
+              <a:t>声明必须包含</a:t>
+            </a:r>
+            <a:r>
+              <a:rPr lang="en-US" altLang="zh-CN" sz="2400" dirty="0"/>
+              <a:t>".functions"</a:t>
+            </a:r>
+          </a:p>
+          <a:p>
+            <a:pPr lvl="1"/>
+            <a:r>
+              <a:rPr lang="zh-CN" altLang="en-US" sz="2400" dirty="0" smtClean="0"/>
+              <a:t>需要继承</a:t>
+            </a:r>
+            <a:r>
+              <a:rPr lang="en-US" altLang="zh-CN" sz="2400" dirty="0" err="1" smtClean="0"/>
+              <a:t>org.apache.jmeter.functions.AbstractFunction</a:t>
+            </a:r>
+            <a:r>
+              <a:rPr lang="zh-CN" altLang="en-US" sz="2400" dirty="0" smtClean="0"/>
+              <a:t>，并且实现相应的方法。</a:t>
+            </a:r>
+          </a:p>
+          <a:p>
+            <a:r>
+              <a:rPr lang="en-US" altLang="zh-CN" sz="2800" dirty="0" smtClean="0"/>
               <a:t>execute(</a:t>
             </a:r>
             <a:r>
-              <a:rPr lang="en-US" altLang="zh-CN" sz="2800" dirty="0" err="1"/>
+              <a:rPr lang="en-US" altLang="zh-CN" sz="2800" dirty="0" err="1" smtClean="0"/>
               <a:t>SampleResult</a:t>
             </a:r>
             <a:r>
-              <a:rPr lang="en-US" altLang="zh-CN" sz="2800" dirty="0"/>
+              <a:rPr lang="en-US" altLang="zh-CN" sz="2800" dirty="0" smtClean="0"/>
               <a:t> </a:t>
             </a:r>
             <a:r>
-              <a:rPr lang="en-US" altLang="zh-CN" sz="2800" dirty="0" err="1"/>
+              <a:rPr lang="en-US" altLang="zh-CN" sz="2800" dirty="0" err="1" smtClean="0"/>
               <a:t>previousResult</a:t>
             </a:r>
             <a:r>
-              <a:rPr lang="en-US" altLang="zh-CN" sz="2800" dirty="0"/>
+              <a:rPr lang="en-US" altLang="zh-CN" sz="2800" dirty="0" smtClean="0"/>
               <a:t>, Sampler </a:t>
             </a:r>
             <a:r>
-              <a:rPr lang="en-US" altLang="zh-CN" sz="2800" dirty="0" err="1"/>
+              <a:rPr lang="en-US" altLang="zh-CN" sz="2800" dirty="0" err="1" smtClean="0"/>
               <a:t>currentSampler</a:t>
             </a:r>
             <a:r>
@@ -6618,11 +6681,11 @@
               <a:buChar char="•"/>
             </a:pPr>
             <a:r>
-              <a:rPr lang="en-US" altLang="zh-CN" dirty="0" err="1"/>
+              <a:rPr lang="en-US" altLang="zh-CN" dirty="0" err="1" smtClean="0"/>
               <a:t>getArgumentDesc</a:t>
             </a:r>
             <a:r>
-              <a:rPr lang="en-US" altLang="zh-CN" dirty="0"/>
+              <a:rPr lang="en-US" altLang="zh-CN" dirty="0" smtClean="0"/>
               <a:t>()</a:t>
             </a:r>
           </a:p>
@@ -6630,15 +6693,7 @@
             <a:pPr lvl="1"/>
             <a:r>
               <a:rPr lang="zh-CN" altLang="en-US" dirty="0" smtClean="0"/>
-              <a:t>功能</a:t>
-            </a:r>
-            <a:r>
-              <a:rPr lang="zh-CN" altLang="en-US" dirty="0"/>
-              <a:t>描述，参数</a:t>
-            </a:r>
-            <a:r>
-              <a:rPr lang="zh-CN" altLang="en-US" dirty="0" smtClean="0"/>
-              <a:t>描述</a:t>
+              <a:t>功能描述，参数描述</a:t>
             </a:r>
             <a:endParaRPr lang="en-US" altLang="zh-CN" dirty="0" smtClean="0"/>
           </a:p>
@@ -6648,31 +6703,27 @@
               <a:buChar char="•"/>
             </a:pPr>
             <a:r>
-              <a:rPr lang="en-US" altLang="zh-CN" dirty="0" err="1"/>
+              <a:rPr lang="en-US" altLang="zh-CN" dirty="0" err="1" smtClean="0"/>
               <a:t>setParameters</a:t>
             </a:r>
             <a:r>
-              <a:rPr lang="en-US" altLang="zh-CN" dirty="0"/>
+              <a:rPr lang="en-US" altLang="zh-CN" dirty="0" smtClean="0"/>
               <a:t>(Collection&lt;</a:t>
             </a:r>
             <a:r>
-              <a:rPr lang="en-US" altLang="zh-CN" dirty="0" err="1"/>
+              <a:rPr lang="en-US" altLang="zh-CN" dirty="0" err="1" smtClean="0"/>
               <a:t>CompoundVariable</a:t>
             </a:r>
             <a:r>
-              <a:rPr lang="en-US" altLang="zh-CN" dirty="0"/>
+              <a:rPr lang="en-US" altLang="zh-CN" dirty="0" smtClean="0"/>
               <a:t>&gt; parameters)</a:t>
             </a:r>
           </a:p>
           <a:p>
             <a:pPr lvl="1"/>
             <a:r>
-              <a:rPr lang="zh-CN" altLang="en-US" dirty="0"/>
-              <a:t>接收用户的参数，设置</a:t>
-            </a:r>
-            <a:r>
               <a:rPr lang="zh-CN" altLang="en-US" dirty="0" smtClean="0"/>
-              <a:t>参数</a:t>
+              <a:t>接收用户的参数，设置参数</a:t>
             </a:r>
             <a:endParaRPr lang="en-US" altLang="zh-CN" dirty="0" smtClean="0"/>
           </a:p>
@@ -6682,11 +6733,11 @@
               <a:buChar char="•"/>
             </a:pPr>
             <a:r>
-              <a:rPr lang="en-US" altLang="zh-CN" dirty="0" err="1"/>
+              <a:rPr lang="en-US" altLang="zh-CN" dirty="0" err="1" smtClean="0"/>
               <a:t>getReferenceKey</a:t>
             </a:r>
             <a:r>
-              <a:rPr lang="en-US" altLang="zh-CN" dirty="0"/>
+              <a:rPr lang="en-US" altLang="zh-CN" dirty="0" smtClean="0"/>
               <a:t>()</a:t>
             </a:r>
           </a:p>
@@ -6884,6 +6935,13 @@
   <p:clrMapOvr>
     <a:masterClrMapping/>
   </p:clrMapOvr>
+  <p:timing>
+    <p:tnLst>
+      <p:par>
+        <p:cTn id="1" dur="indefinite" restart="never" nodeType="tmRoot"/>
+      </p:par>
+    </p:tnLst>
+  </p:timing>
 </p:sld>
 </file>
 
@@ -7051,6 +7109,13 @@
   <p:clrMapOvr>
     <a:masterClrMapping/>
   </p:clrMapOvr>
+  <p:timing>
+    <p:tnLst>
+      <p:par>
+        <p:cTn id="1" dur="indefinite" restart="never" nodeType="tmRoot"/>
+      </p:par>
+    </p:tnLst>
+  </p:timing>
 </p:sld>
 </file>
 
@@ -8714,7 +8779,7 @@
         <a:sysClr val="windowText" lastClr="000000"/>
       </a:dk1>
       <a:lt1>
-        <a:sysClr val="window" lastClr="CCE8CF"/>
+        <a:sysClr val="window" lastClr="FFFFFF"/>
       </a:lt1>
       <a:dk2>
         <a:srgbClr val="1F497D"/>
@@ -8997,7 +9062,7 @@
         <a:sysClr val="windowText" lastClr="000000"/>
       </a:dk1>
       <a:lt1>
-        <a:sysClr val="window" lastClr="CCE8CF"/>
+        <a:sysClr val="window" lastClr="FFFFFF"/>
       </a:lt1>
       <a:dk2>
         <a:srgbClr val="1F497D"/>
